--- a/BurgerAPI/Presentation/BurgerAPI.pptx
+++ b/BurgerAPI/Presentation/BurgerAPI.pptx
@@ -11,6 +11,7 @@
     <p:sldId id="258" r:id="rId5"/>
     <p:sldId id="259" r:id="rId6"/>
     <p:sldId id="260" r:id="rId7"/>
+    <p:sldId id="262" r:id="rId8"/>
   </p:sldIdLst>
   <p:sldSz cx="12192000" cy="6858000"/>
   <p:notesSz cx="6858000" cy="9144000"/>
@@ -267,7 +268,7 @@
             <a:fld id="{87DE6118-2437-4B30-8E3C-4D2BE6020583}" type="datetimeFigureOut">
               <a:rPr lang="en-US" smtClean="0"/>
               <a:pPr/>
-              <a:t>11/28/2021</a:t>
+              <a:t>11/29/2021</a:t>
             </a:fld>
             <a:endParaRPr lang="en-US" dirty="0"/>
           </a:p>
@@ -468,7 +469,7 @@
           <a:p>
             <a:fld id="{87DE6118-2437-4B30-8E3C-4D2BE6020583}" type="datetimeFigureOut">
               <a:rPr lang="en-US" smtClean="0"/>
-              <a:t>11/28/2021</a:t>
+              <a:t>11/29/2021</a:t>
             </a:fld>
             <a:endParaRPr lang="en-US" dirty="0"/>
           </a:p>
@@ -678,7 +679,7 @@
           <a:p>
             <a:fld id="{87DE6118-2437-4B30-8E3C-4D2BE6020583}" type="datetimeFigureOut">
               <a:rPr lang="en-US" smtClean="0"/>
-              <a:t>11/28/2021</a:t>
+              <a:t>11/29/2021</a:t>
             </a:fld>
             <a:endParaRPr lang="en-US" dirty="0"/>
           </a:p>
@@ -878,7 +879,7 @@
           <a:p>
             <a:fld id="{87DE6118-2437-4B30-8E3C-4D2BE6020583}" type="datetimeFigureOut">
               <a:rPr lang="en-US" smtClean="0"/>
-              <a:t>11/28/2021</a:t>
+              <a:t>11/29/2021</a:t>
             </a:fld>
             <a:endParaRPr lang="en-US" dirty="0"/>
           </a:p>
@@ -1155,7 +1156,7 @@
             <a:fld id="{87DE6118-2437-4B30-8E3C-4D2BE6020583}" type="datetimeFigureOut">
               <a:rPr lang="en-US" smtClean="0"/>
               <a:pPr/>
-              <a:t>11/28/2021</a:t>
+              <a:t>11/29/2021</a:t>
             </a:fld>
             <a:endParaRPr lang="en-US" dirty="0"/>
           </a:p>
@@ -1424,7 +1425,7 @@
           <a:p>
             <a:fld id="{87DE6118-2437-4B30-8E3C-4D2BE6020583}" type="datetimeFigureOut">
               <a:rPr lang="en-US" smtClean="0"/>
-              <a:t>11/28/2021</a:t>
+              <a:t>11/29/2021</a:t>
             </a:fld>
             <a:endParaRPr lang="en-US" dirty="0"/>
           </a:p>
@@ -1839,7 +1840,7 @@
           <a:p>
             <a:fld id="{87DE6118-2437-4B30-8E3C-4D2BE6020583}" type="datetimeFigureOut">
               <a:rPr lang="en-US" smtClean="0"/>
-              <a:t>11/28/2021</a:t>
+              <a:t>11/29/2021</a:t>
             </a:fld>
             <a:endParaRPr lang="en-US" dirty="0"/>
           </a:p>
@@ -1981,7 +1982,7 @@
           <a:p>
             <a:fld id="{87DE6118-2437-4B30-8E3C-4D2BE6020583}" type="datetimeFigureOut">
               <a:rPr lang="en-US" smtClean="0"/>
-              <a:t>11/28/2021</a:t>
+              <a:t>11/29/2021</a:t>
             </a:fld>
             <a:endParaRPr lang="en-US" dirty="0"/>
           </a:p>
@@ -2094,7 +2095,7 @@
           <a:p>
             <a:fld id="{87DE6118-2437-4B30-8E3C-4D2BE6020583}" type="datetimeFigureOut">
               <a:rPr lang="en-US" smtClean="0"/>
-              <a:t>11/28/2021</a:t>
+              <a:t>11/29/2021</a:t>
             </a:fld>
             <a:endParaRPr lang="en-US" dirty="0"/>
           </a:p>
@@ -2408,7 +2409,7 @@
             <a:fld id="{87DE6118-2437-4B30-8E3C-4D2BE6020583}" type="datetimeFigureOut">
               <a:rPr lang="en-US" smtClean="0"/>
               <a:pPr/>
-              <a:t>11/28/2021</a:t>
+              <a:t>11/29/2021</a:t>
             </a:fld>
             <a:endParaRPr lang="en-US" dirty="0"/>
           </a:p>
@@ -2699,7 +2700,7 @@
             <a:fld id="{87DE6118-2437-4B30-8E3C-4D2BE6020583}" type="datetimeFigureOut">
               <a:rPr lang="en-US" smtClean="0"/>
               <a:pPr/>
-              <a:t>11/28/2021</a:t>
+              <a:t>11/29/2021</a:t>
             </a:fld>
             <a:endParaRPr lang="en-US" dirty="0"/>
           </a:p>
@@ -2944,7 +2945,7 @@
             <a:fld id="{87DE6118-2437-4B30-8E3C-4D2BE6020583}" type="datetimeFigureOut">
               <a:rPr lang="en-US" smtClean="0"/>
               <a:pPr/>
-              <a:t>11/28/2021</a:t>
+              <a:t>11/29/2021</a:t>
             </a:fld>
             <a:endParaRPr lang="en-US" dirty="0"/>
           </a:p>
@@ -4068,6 +4069,72 @@
 </p:sld>
 </file>
 
+<file path=ppt/slides/slide7.xml><?xml version="1.0" encoding="utf-8"?>
+<p:sld xmlns:a="http://schemas.openxmlformats.org/drawingml/2006/main" xmlns:r="http://schemas.openxmlformats.org/officeDocument/2006/relationships" xmlns:p="http://schemas.openxmlformats.org/presentationml/2006/main">
+  <p:cSld>
+    <p:spTree>
+      <p:nvGrpSpPr>
+        <p:cNvPr id="1" name=""/>
+        <p:cNvGrpSpPr/>
+        <p:nvPr/>
+      </p:nvGrpSpPr>
+      <p:grpSpPr>
+        <a:xfrm>
+          <a:off x="0" y="0"/>
+          <a:ext cx="0" cy="0"/>
+          <a:chOff x="0" y="0"/>
+          <a:chExt cx="0" cy="0"/>
+        </a:xfrm>
+      </p:grpSpPr>
+      <p:sp>
+        <p:nvSpPr>
+          <p:cNvPr id="2" name="Title 1">
+            <a:extLst>
+              <a:ext uri="{FF2B5EF4-FFF2-40B4-BE49-F238E27FC236}">
+                <a16:creationId xmlns:a16="http://schemas.microsoft.com/office/drawing/2014/main" id="{C887369A-FED3-4E5C-8B33-EEA2492C6D5B}"/>
+              </a:ext>
+            </a:extLst>
+          </p:cNvPr>
+          <p:cNvSpPr>
+            <a:spLocks noGrp="1"/>
+          </p:cNvSpPr>
+          <p:nvPr>
+            <p:ph type="title"/>
+          </p:nvPr>
+        </p:nvSpPr>
+        <p:spPr>
+          <a:xfrm>
+            <a:off x="4770539" y="2996661"/>
+            <a:ext cx="2650921" cy="432339"/>
+          </a:xfrm>
+        </p:spPr>
+        <p:txBody>
+          <a:bodyPr>
+            <a:normAutofit fontScale="90000"/>
+          </a:bodyPr>
+          <a:lstStyle/>
+          <a:p>
+            <a:pPr algn="ctr"/>
+            <a:r>
+              <a:rPr lang="hu-HU" dirty="0"/>
+              <a:t>Thank You!</a:t>
+            </a:r>
+          </a:p>
+        </p:txBody>
+      </p:sp>
+    </p:spTree>
+    <p:extLst>
+      <p:ext uri="{BB962C8B-B14F-4D97-AF65-F5344CB8AC3E}">
+        <p14:creationId xmlns:p14="http://schemas.microsoft.com/office/powerpoint/2010/main" val="2847676979"/>
+      </p:ext>
+    </p:extLst>
+  </p:cSld>
+  <p:clrMapOvr>
+    <a:masterClrMapping/>
+  </p:clrMapOvr>
+</p:sld>
+</file>
+
 <file path=ppt/theme/theme1.xml><?xml version="1.0" encoding="utf-8"?>
 <a:theme xmlns:a="http://schemas.openxmlformats.org/drawingml/2006/main" name="Office Theme">
   <a:themeElements>
